--- a/99_チーム内打合せ用（総合演習）/成果発表会_個人発表作成内容_ミッチェル.pptx
+++ b/99_チーム内打合せ用（総合演習）/成果発表会_個人発表作成内容_ミッチェル.pptx
@@ -4,11 +4,13 @@
   <p:sldMasterIdLst>
     <p:sldMasterId id="2147483684" r:id="rId1"/>
   </p:sldMasterIdLst>
+  <p:notesMasterIdLst>
+    <p:notesMasterId r:id="rId5"/>
+  </p:notesMasterIdLst>
   <p:sldIdLst>
-    <p:sldId id="257" r:id="rId2"/>
-    <p:sldId id="258" r:id="rId3"/>
-    <p:sldId id="259" r:id="rId4"/>
-    <p:sldId id="260" r:id="rId5"/>
+    <p:sldId id="258" r:id="rId2"/>
+    <p:sldId id="259" r:id="rId3"/>
+    <p:sldId id="260" r:id="rId4"/>
   </p:sldIdLst>
   <p:sldSz cx="9144000" cy="6858000" type="screen4x3"/>
   <p:notesSz cx="6858000" cy="9144000"/>
@@ -154,6 +156,472 @@
     </p:ext>
   </p:extLst>
 </p:presentation>
+</file>
+
+<file path=ppt/notesMasters/notesMaster1.xml><?xml version="1.0" encoding="utf-8"?>
+<p:notesMaster xmlns:a="http://schemas.openxmlformats.org/drawingml/2006/main" xmlns:r="http://schemas.openxmlformats.org/officeDocument/2006/relationships" xmlns:p="http://schemas.openxmlformats.org/presentationml/2006/main">
+  <p:cSld>
+    <p:bg>
+      <p:bgRef idx="1001">
+        <a:schemeClr val="bg1"/>
+      </p:bgRef>
+    </p:bg>
+    <p:spTree>
+      <p:nvGrpSpPr>
+        <p:cNvPr id="1" name=""/>
+        <p:cNvGrpSpPr/>
+        <p:nvPr/>
+      </p:nvGrpSpPr>
+      <p:grpSpPr>
+        <a:xfrm>
+          <a:off x="0" y="0"/>
+          <a:ext cx="0" cy="0"/>
+          <a:chOff x="0" y="0"/>
+          <a:chExt cx="0" cy="0"/>
+        </a:xfrm>
+      </p:grpSpPr>
+      <p:sp>
+        <p:nvSpPr>
+          <p:cNvPr id="2" name="ヘッダー プレースホルダー 1"/>
+          <p:cNvSpPr>
+            <a:spLocks noGrp="1"/>
+          </p:cNvSpPr>
+          <p:nvPr>
+            <p:ph type="hdr" sz="quarter"/>
+          </p:nvPr>
+        </p:nvSpPr>
+        <p:spPr>
+          <a:xfrm>
+            <a:off x="0" y="0"/>
+            <a:ext cx="2971800" cy="458788"/>
+          </a:xfrm>
+          <a:prstGeom prst="rect">
+            <a:avLst/>
+          </a:prstGeom>
+        </p:spPr>
+        <p:txBody>
+          <a:bodyPr vert="horz" lIns="91440" tIns="45720" rIns="91440" bIns="45720" rtlCol="0"/>
+          <a:lstStyle>
+            <a:lvl1pPr algn="l">
+              <a:defRPr sz="1200"/>
+            </a:lvl1pPr>
+          </a:lstStyle>
+          <a:p>
+            <a:endParaRPr kumimoji="1" lang="ja-JP" altLang="en-US"/>
+          </a:p>
+        </p:txBody>
+      </p:sp>
+      <p:sp>
+        <p:nvSpPr>
+          <p:cNvPr id="3" name="日付プレースホルダー 2"/>
+          <p:cNvSpPr>
+            <a:spLocks noGrp="1"/>
+          </p:cNvSpPr>
+          <p:nvPr>
+            <p:ph type="dt" idx="1"/>
+          </p:nvPr>
+        </p:nvSpPr>
+        <p:spPr>
+          <a:xfrm>
+            <a:off x="3884613" y="0"/>
+            <a:ext cx="2971800" cy="458788"/>
+          </a:xfrm>
+          <a:prstGeom prst="rect">
+            <a:avLst/>
+          </a:prstGeom>
+        </p:spPr>
+        <p:txBody>
+          <a:bodyPr vert="horz" lIns="91440" tIns="45720" rIns="91440" bIns="45720" rtlCol="0"/>
+          <a:lstStyle>
+            <a:lvl1pPr algn="r">
+              <a:defRPr sz="1200"/>
+            </a:lvl1pPr>
+          </a:lstStyle>
+          <a:p>
+            <a:fld id="{3E86D853-5498-4415-909F-BA9A1EC6EFD7}" type="datetimeFigureOut">
+              <a:rPr kumimoji="1" lang="ja-JP" altLang="en-US" smtClean="0"/>
+              <a:t>2017/10/31</a:t>
+            </a:fld>
+            <a:endParaRPr kumimoji="1" lang="ja-JP" altLang="en-US"/>
+          </a:p>
+        </p:txBody>
+      </p:sp>
+      <p:sp>
+        <p:nvSpPr>
+          <p:cNvPr id="4" name="スライド イメージ プレースホルダー 3"/>
+          <p:cNvSpPr>
+            <a:spLocks noGrp="1" noRot="1" noChangeAspect="1"/>
+          </p:cNvSpPr>
+          <p:nvPr>
+            <p:ph type="sldImg" idx="2"/>
+          </p:nvPr>
+        </p:nvSpPr>
+        <p:spPr>
+          <a:xfrm>
+            <a:off x="1371600" y="1143000"/>
+            <a:ext cx="4114800" cy="3086100"/>
+          </a:xfrm>
+          <a:prstGeom prst="rect">
+            <a:avLst/>
+          </a:prstGeom>
+          <a:noFill/>
+          <a:ln w="12700">
+            <a:solidFill>
+              <a:prstClr val="black"/>
+            </a:solidFill>
+          </a:ln>
+        </p:spPr>
+        <p:txBody>
+          <a:bodyPr vert="horz" lIns="91440" tIns="45720" rIns="91440" bIns="45720" rtlCol="0" anchor="ctr"/>
+          <a:lstStyle/>
+          <a:p>
+            <a:endParaRPr lang="ja-JP" altLang="en-US"/>
+          </a:p>
+        </p:txBody>
+      </p:sp>
+      <p:sp>
+        <p:nvSpPr>
+          <p:cNvPr id="5" name="ノート プレースホルダー 4"/>
+          <p:cNvSpPr>
+            <a:spLocks noGrp="1"/>
+          </p:cNvSpPr>
+          <p:nvPr>
+            <p:ph type="body" sz="quarter" idx="3"/>
+          </p:nvPr>
+        </p:nvSpPr>
+        <p:spPr>
+          <a:xfrm>
+            <a:off x="685800" y="4400550"/>
+            <a:ext cx="5486400" cy="3600450"/>
+          </a:xfrm>
+          <a:prstGeom prst="rect">
+            <a:avLst/>
+          </a:prstGeom>
+        </p:spPr>
+        <p:txBody>
+          <a:bodyPr vert="horz" lIns="91440" tIns="45720" rIns="91440" bIns="45720" rtlCol="0"/>
+          <a:lstStyle/>
+          <a:p>
+            <a:pPr lvl="0"/>
+            <a:r>
+              <a:rPr kumimoji="1" lang="ja-JP" altLang="en-US" smtClean="0"/>
+              <a:t>マスター テキストの書式設定</a:t>
+            </a:r>
+          </a:p>
+          <a:p>
+            <a:pPr lvl="1"/>
+            <a:r>
+              <a:rPr kumimoji="1" lang="ja-JP" altLang="en-US" smtClean="0"/>
+              <a:t>第 </a:t>
+            </a:r>
+            <a:r>
+              <a:rPr kumimoji="1" lang="en-US" altLang="ja-JP" smtClean="0"/>
+              <a:t>2 </a:t>
+            </a:r>
+            <a:r>
+              <a:rPr kumimoji="1" lang="ja-JP" altLang="en-US" smtClean="0"/>
+              <a:t>レベル</a:t>
+            </a:r>
+          </a:p>
+          <a:p>
+            <a:pPr lvl="2"/>
+            <a:r>
+              <a:rPr kumimoji="1" lang="ja-JP" altLang="en-US" smtClean="0"/>
+              <a:t>第 </a:t>
+            </a:r>
+            <a:r>
+              <a:rPr kumimoji="1" lang="en-US" altLang="ja-JP" smtClean="0"/>
+              <a:t>3 </a:t>
+            </a:r>
+            <a:r>
+              <a:rPr kumimoji="1" lang="ja-JP" altLang="en-US" smtClean="0"/>
+              <a:t>レベル</a:t>
+            </a:r>
+          </a:p>
+          <a:p>
+            <a:pPr lvl="3"/>
+            <a:r>
+              <a:rPr kumimoji="1" lang="ja-JP" altLang="en-US" smtClean="0"/>
+              <a:t>第 </a:t>
+            </a:r>
+            <a:r>
+              <a:rPr kumimoji="1" lang="en-US" altLang="ja-JP" smtClean="0"/>
+              <a:t>4 </a:t>
+            </a:r>
+            <a:r>
+              <a:rPr kumimoji="1" lang="ja-JP" altLang="en-US" smtClean="0"/>
+              <a:t>レベル</a:t>
+            </a:r>
+          </a:p>
+          <a:p>
+            <a:pPr lvl="4"/>
+            <a:r>
+              <a:rPr kumimoji="1" lang="ja-JP" altLang="en-US" smtClean="0"/>
+              <a:t>第 </a:t>
+            </a:r>
+            <a:r>
+              <a:rPr kumimoji="1" lang="en-US" altLang="ja-JP" smtClean="0"/>
+              <a:t>5 </a:t>
+            </a:r>
+            <a:r>
+              <a:rPr kumimoji="1" lang="ja-JP" altLang="en-US" smtClean="0"/>
+              <a:t>レベル</a:t>
+            </a:r>
+            <a:endParaRPr kumimoji="1" lang="ja-JP" altLang="en-US"/>
+          </a:p>
+        </p:txBody>
+      </p:sp>
+      <p:sp>
+        <p:nvSpPr>
+          <p:cNvPr id="6" name="フッター プレースホルダー 5"/>
+          <p:cNvSpPr>
+            <a:spLocks noGrp="1"/>
+          </p:cNvSpPr>
+          <p:nvPr>
+            <p:ph type="ftr" sz="quarter" idx="4"/>
+          </p:nvPr>
+        </p:nvSpPr>
+        <p:spPr>
+          <a:xfrm>
+            <a:off x="0" y="8685213"/>
+            <a:ext cx="2971800" cy="458787"/>
+          </a:xfrm>
+          <a:prstGeom prst="rect">
+            <a:avLst/>
+          </a:prstGeom>
+        </p:spPr>
+        <p:txBody>
+          <a:bodyPr vert="horz" lIns="91440" tIns="45720" rIns="91440" bIns="45720" rtlCol="0" anchor="b"/>
+          <a:lstStyle>
+            <a:lvl1pPr algn="l">
+              <a:defRPr sz="1200"/>
+            </a:lvl1pPr>
+          </a:lstStyle>
+          <a:p>
+            <a:endParaRPr kumimoji="1" lang="ja-JP" altLang="en-US"/>
+          </a:p>
+        </p:txBody>
+      </p:sp>
+      <p:sp>
+        <p:nvSpPr>
+          <p:cNvPr id="7" name="スライド番号プレースホルダー 6"/>
+          <p:cNvSpPr>
+            <a:spLocks noGrp="1"/>
+          </p:cNvSpPr>
+          <p:nvPr>
+            <p:ph type="sldNum" sz="quarter" idx="5"/>
+          </p:nvPr>
+        </p:nvSpPr>
+        <p:spPr>
+          <a:xfrm>
+            <a:off x="3884613" y="8685213"/>
+            <a:ext cx="2971800" cy="458787"/>
+          </a:xfrm>
+          <a:prstGeom prst="rect">
+            <a:avLst/>
+          </a:prstGeom>
+        </p:spPr>
+        <p:txBody>
+          <a:bodyPr vert="horz" lIns="91440" tIns="45720" rIns="91440" bIns="45720" rtlCol="0" anchor="b"/>
+          <a:lstStyle>
+            <a:lvl1pPr algn="r">
+              <a:defRPr sz="1200"/>
+            </a:lvl1pPr>
+          </a:lstStyle>
+          <a:p>
+            <a:fld id="{447341A3-B0AD-4702-9771-AD569B673CF6}" type="slidenum">
+              <a:rPr kumimoji="1" lang="ja-JP" altLang="en-US" smtClean="0"/>
+              <a:t>‹#›</a:t>
+            </a:fld>
+            <a:endParaRPr kumimoji="1" lang="ja-JP" altLang="en-US"/>
+          </a:p>
+        </p:txBody>
+      </p:sp>
+    </p:spTree>
+    <p:extLst>
+      <p:ext uri="{BB962C8B-B14F-4D97-AF65-F5344CB8AC3E}">
+        <p14:creationId xmlns:p14="http://schemas.microsoft.com/office/powerpoint/2010/main" val="3970101690"/>
+      </p:ext>
+    </p:extLst>
+  </p:cSld>
+  <p:clrMap bg1="lt1" tx1="dk1" bg2="lt2" tx2="dk2" accent1="accent1" accent2="accent2" accent3="accent3" accent4="accent4" accent5="accent5" accent6="accent6" hlink="hlink" folHlink="folHlink"/>
+  <p:notesStyle>
+    <a:lvl1pPr marL="0" algn="l" defTabSz="914400" rtl="0" eaLnBrk="1" latinLnBrk="0" hangingPunct="1">
+      <a:defRPr kumimoji="1" sz="1200" kern="1200">
+        <a:solidFill>
+          <a:schemeClr val="tx1"/>
+        </a:solidFill>
+        <a:latin typeface="+mn-lt"/>
+        <a:ea typeface="+mn-ea"/>
+        <a:cs typeface="+mn-cs"/>
+      </a:defRPr>
+    </a:lvl1pPr>
+    <a:lvl2pPr marL="457200" algn="l" defTabSz="914400" rtl="0" eaLnBrk="1" latinLnBrk="0" hangingPunct="1">
+      <a:defRPr kumimoji="1" sz="1200" kern="1200">
+        <a:solidFill>
+          <a:schemeClr val="tx1"/>
+        </a:solidFill>
+        <a:latin typeface="+mn-lt"/>
+        <a:ea typeface="+mn-ea"/>
+        <a:cs typeface="+mn-cs"/>
+      </a:defRPr>
+    </a:lvl2pPr>
+    <a:lvl3pPr marL="914400" algn="l" defTabSz="914400" rtl="0" eaLnBrk="1" latinLnBrk="0" hangingPunct="1">
+      <a:defRPr kumimoji="1" sz="1200" kern="1200">
+        <a:solidFill>
+          <a:schemeClr val="tx1"/>
+        </a:solidFill>
+        <a:latin typeface="+mn-lt"/>
+        <a:ea typeface="+mn-ea"/>
+        <a:cs typeface="+mn-cs"/>
+      </a:defRPr>
+    </a:lvl3pPr>
+    <a:lvl4pPr marL="1371600" algn="l" defTabSz="914400" rtl="0" eaLnBrk="1" latinLnBrk="0" hangingPunct="1">
+      <a:defRPr kumimoji="1" sz="1200" kern="1200">
+        <a:solidFill>
+          <a:schemeClr val="tx1"/>
+        </a:solidFill>
+        <a:latin typeface="+mn-lt"/>
+        <a:ea typeface="+mn-ea"/>
+        <a:cs typeface="+mn-cs"/>
+      </a:defRPr>
+    </a:lvl4pPr>
+    <a:lvl5pPr marL="1828800" algn="l" defTabSz="914400" rtl="0" eaLnBrk="1" latinLnBrk="0" hangingPunct="1">
+      <a:defRPr kumimoji="1" sz="1200" kern="1200">
+        <a:solidFill>
+          <a:schemeClr val="tx1"/>
+        </a:solidFill>
+        <a:latin typeface="+mn-lt"/>
+        <a:ea typeface="+mn-ea"/>
+        <a:cs typeface="+mn-cs"/>
+      </a:defRPr>
+    </a:lvl5pPr>
+    <a:lvl6pPr marL="2286000" algn="l" defTabSz="914400" rtl="0" eaLnBrk="1" latinLnBrk="0" hangingPunct="1">
+      <a:defRPr kumimoji="1" sz="1200" kern="1200">
+        <a:solidFill>
+          <a:schemeClr val="tx1"/>
+        </a:solidFill>
+        <a:latin typeface="+mn-lt"/>
+        <a:ea typeface="+mn-ea"/>
+        <a:cs typeface="+mn-cs"/>
+      </a:defRPr>
+    </a:lvl6pPr>
+    <a:lvl7pPr marL="2743200" algn="l" defTabSz="914400" rtl="0" eaLnBrk="1" latinLnBrk="0" hangingPunct="1">
+      <a:defRPr kumimoji="1" sz="1200" kern="1200">
+        <a:solidFill>
+          <a:schemeClr val="tx1"/>
+        </a:solidFill>
+        <a:latin typeface="+mn-lt"/>
+        <a:ea typeface="+mn-ea"/>
+        <a:cs typeface="+mn-cs"/>
+      </a:defRPr>
+    </a:lvl7pPr>
+    <a:lvl8pPr marL="3200400" algn="l" defTabSz="914400" rtl="0" eaLnBrk="1" latinLnBrk="0" hangingPunct="1">
+      <a:defRPr kumimoji="1" sz="1200" kern="1200">
+        <a:solidFill>
+          <a:schemeClr val="tx1"/>
+        </a:solidFill>
+        <a:latin typeface="+mn-lt"/>
+        <a:ea typeface="+mn-ea"/>
+        <a:cs typeface="+mn-cs"/>
+      </a:defRPr>
+    </a:lvl8pPr>
+    <a:lvl9pPr marL="3657600" algn="l" defTabSz="914400" rtl="0" eaLnBrk="1" latinLnBrk="0" hangingPunct="1">
+      <a:defRPr kumimoji="1" sz="1200" kern="1200">
+        <a:solidFill>
+          <a:schemeClr val="tx1"/>
+        </a:solidFill>
+        <a:latin typeface="+mn-lt"/>
+        <a:ea typeface="+mn-ea"/>
+        <a:cs typeface="+mn-cs"/>
+      </a:defRPr>
+    </a:lvl9pPr>
+  </p:notesStyle>
+</p:notesMaster>
+</file>
+
+<file path=ppt/notesSlides/notesSlide1.xml><?xml version="1.0" encoding="utf-8"?>
+<p:notes xmlns:a="http://schemas.openxmlformats.org/drawingml/2006/main" xmlns:r="http://schemas.openxmlformats.org/officeDocument/2006/relationships" xmlns:p="http://schemas.openxmlformats.org/presentationml/2006/main">
+  <p:cSld>
+    <p:spTree>
+      <p:nvGrpSpPr>
+        <p:cNvPr id="1" name=""/>
+        <p:cNvGrpSpPr/>
+        <p:nvPr/>
+      </p:nvGrpSpPr>
+      <p:grpSpPr>
+        <a:xfrm>
+          <a:off x="0" y="0"/>
+          <a:ext cx="0" cy="0"/>
+          <a:chOff x="0" y="0"/>
+          <a:chExt cx="0" cy="0"/>
+        </a:xfrm>
+      </p:grpSpPr>
+      <p:sp>
+        <p:nvSpPr>
+          <p:cNvPr id="2" name="スライド イメージ プレースホルダー 1"/>
+          <p:cNvSpPr>
+            <a:spLocks noGrp="1" noRot="1" noChangeAspect="1"/>
+          </p:cNvSpPr>
+          <p:nvPr>
+            <p:ph type="sldImg"/>
+          </p:nvPr>
+        </p:nvSpPr>
+        <p:spPr/>
+      </p:sp>
+      <p:sp>
+        <p:nvSpPr>
+          <p:cNvPr id="3" name="ノート プレースホルダー 2"/>
+          <p:cNvSpPr>
+            <a:spLocks noGrp="1"/>
+          </p:cNvSpPr>
+          <p:nvPr>
+            <p:ph type="body" idx="1"/>
+          </p:nvPr>
+        </p:nvSpPr>
+        <p:spPr/>
+        <p:txBody>
+          <a:bodyPr/>
+          <a:lstStyle/>
+          <a:p>
+            <a:endParaRPr kumimoji="1" lang="ja-JP" altLang="en-US" dirty="0"/>
+          </a:p>
+        </p:txBody>
+      </p:sp>
+      <p:sp>
+        <p:nvSpPr>
+          <p:cNvPr id="4" name="スライド番号プレースホルダー 3"/>
+          <p:cNvSpPr>
+            <a:spLocks noGrp="1"/>
+          </p:cNvSpPr>
+          <p:nvPr>
+            <p:ph type="sldNum" sz="quarter" idx="10"/>
+          </p:nvPr>
+        </p:nvSpPr>
+        <p:spPr/>
+        <p:txBody>
+          <a:bodyPr/>
+          <a:lstStyle/>
+          <a:p>
+            <a:fld id="{447341A3-B0AD-4702-9771-AD569B673CF6}" type="slidenum">
+              <a:rPr kumimoji="1" lang="ja-JP" altLang="en-US" smtClean="0"/>
+              <a:t>2</a:t>
+            </a:fld>
+            <a:endParaRPr kumimoji="1" lang="ja-JP" altLang="en-US"/>
+          </a:p>
+        </p:txBody>
+      </p:sp>
+    </p:spTree>
+    <p:extLst>
+      <p:ext uri="{BB962C8B-B14F-4D97-AF65-F5344CB8AC3E}">
+        <p14:creationId xmlns:p14="http://schemas.microsoft.com/office/powerpoint/2010/main" val="3658169064"/>
+      </p:ext>
+    </p:extLst>
+  </p:cSld>
+  <p:clrMapOvr>
+    <a:masterClrMapping/>
+  </p:clrMapOvr>
+</p:notes>
 </file>
 
 <file path=ppt/slideLayouts/slideLayout1.xml><?xml version="1.0" encoding="utf-8"?>
@@ -5562,721 +6030,6 @@
         </p:nvSpPr>
         <p:spPr>
           <a:xfrm>
-            <a:off x="0" y="1125538"/>
-            <a:ext cx="9144000" cy="5399087"/>
-          </a:xfrm>
-        </p:spPr>
-        <p:txBody>
-          <a:bodyPr/>
-          <a:lstStyle/>
-          <a:p>
-            <a:pPr eaLnBrk="1" hangingPunct="1"/>
-            <a:r>
-              <a:rPr lang="ja-JP" altLang="en-US" sz="3200" dirty="0" smtClean="0">
-                <a:latin typeface="+mn-ea"/>
-                <a:cs typeface="メイリオ" panose="020B0604030504040204" pitchFamily="50" charset="-128"/>
-              </a:rPr>
-              <a:t>プレゼンテーション概要</a:t>
-            </a:r>
-            <a:endParaRPr lang="en-US" altLang="ja-JP" sz="3200" dirty="0" smtClean="0">
-              <a:latin typeface="+mn-ea"/>
-              <a:cs typeface="メイリオ" panose="020B0604030504040204" pitchFamily="50" charset="-128"/>
-            </a:endParaRPr>
-          </a:p>
-          <a:p>
-            <a:pPr eaLnBrk="1" hangingPunct="1">
-              <a:buFont typeface="Wingdings 3" panose="05040102010807070707" pitchFamily="18" charset="2"/>
-              <a:buNone/>
-            </a:pPr>
-            <a:r>
-              <a:rPr lang="ja-JP" altLang="en-US" sz="3200" dirty="0" smtClean="0">
-                <a:latin typeface="+mn-ea"/>
-                <a:cs typeface="メイリオ" panose="020B0604030504040204" pitchFamily="50" charset="-128"/>
-              </a:rPr>
-              <a:t>　・発表時間は５～６分（</a:t>
-            </a:r>
-            <a:r>
-              <a:rPr lang="en-US" altLang="ja-JP" sz="3200" dirty="0" smtClean="0">
-                <a:latin typeface="+mn-ea"/>
-                <a:cs typeface="メイリオ" panose="020B0604030504040204" pitchFamily="50" charset="-128"/>
-              </a:rPr>
-              <a:t>16</a:t>
-            </a:r>
-            <a:r>
-              <a:rPr lang="ja-JP" altLang="en-US" sz="3200" dirty="0" smtClean="0">
-                <a:latin typeface="+mn-ea"/>
-                <a:cs typeface="メイリオ" panose="020B0604030504040204" pitchFamily="50" charset="-128"/>
-              </a:rPr>
-              <a:t>：</a:t>
-            </a:r>
-            <a:r>
-              <a:rPr lang="en-US" altLang="ja-JP" sz="3200" dirty="0" smtClean="0">
-                <a:latin typeface="+mn-ea"/>
-                <a:cs typeface="メイリオ" panose="020B0604030504040204" pitchFamily="50" charset="-128"/>
-              </a:rPr>
-              <a:t>30</a:t>
-            </a:r>
-            <a:r>
-              <a:rPr lang="ja-JP" altLang="en-US" sz="3200" dirty="0" smtClean="0">
-                <a:latin typeface="+mn-ea"/>
-                <a:cs typeface="メイリオ" panose="020B0604030504040204" pitchFamily="50" charset="-128"/>
-              </a:rPr>
-              <a:t>から開始致します。）</a:t>
-            </a:r>
-            <a:r>
-              <a:rPr lang="en-US" altLang="ja-JP" sz="3200" dirty="0" smtClean="0">
-                <a:latin typeface="+mn-ea"/>
-                <a:cs typeface="メイリオ" panose="020B0604030504040204" pitchFamily="50" charset="-128"/>
-              </a:rPr>
-              <a:t/>
-            </a:r>
-            <a:br>
-              <a:rPr lang="en-US" altLang="ja-JP" sz="3200" dirty="0" smtClean="0">
-                <a:latin typeface="+mn-ea"/>
-                <a:cs typeface="メイリオ" panose="020B0604030504040204" pitchFamily="50" charset="-128"/>
-              </a:rPr>
-            </a:br>
-            <a:r>
-              <a:rPr lang="ja-JP" altLang="en-US" sz="3200" dirty="0" smtClean="0">
-                <a:latin typeface="+mn-ea"/>
-                <a:cs typeface="メイリオ" panose="020B0604030504040204" pitchFamily="50" charset="-128"/>
-              </a:rPr>
-              <a:t>・発表時間厳守！！</a:t>
-            </a:r>
-            <a:endParaRPr lang="en-US" altLang="ja-JP" sz="3200" dirty="0" smtClean="0">
-              <a:latin typeface="+mn-ea"/>
-              <a:cs typeface="メイリオ" panose="020B0604030504040204" pitchFamily="50" charset="-128"/>
-            </a:endParaRPr>
-          </a:p>
-          <a:p>
-            <a:pPr eaLnBrk="1" hangingPunct="1">
-              <a:buFont typeface="Wingdings 3" panose="05040102010807070707" pitchFamily="18" charset="2"/>
-              <a:buNone/>
-            </a:pPr>
-            <a:r>
-              <a:rPr lang="ja-JP" altLang="en-US" sz="3200" dirty="0" smtClean="0">
-                <a:latin typeface="+mn-ea"/>
-                <a:cs typeface="メイリオ" panose="020B0604030504040204" pitchFamily="50" charset="-128"/>
-              </a:rPr>
-              <a:t>　　　・スライドの枚数指定はなし！</a:t>
-            </a:r>
-            <a:endParaRPr lang="en-US" altLang="ja-JP" sz="3200" dirty="0" smtClean="0">
-              <a:latin typeface="+mn-ea"/>
-              <a:cs typeface="メイリオ" panose="020B0604030504040204" pitchFamily="50" charset="-128"/>
-            </a:endParaRPr>
-          </a:p>
-          <a:p>
-            <a:pPr eaLnBrk="1" hangingPunct="1">
-              <a:buFont typeface="Wingdings 3" panose="05040102010807070707" pitchFamily="18" charset="2"/>
-              <a:buNone/>
-            </a:pPr>
-            <a:r>
-              <a:rPr lang="ja-JP" altLang="en-US" sz="3200" dirty="0" smtClean="0">
-                <a:latin typeface="+mn-ea"/>
-                <a:cs typeface="メイリオ" panose="020B0604030504040204" pitchFamily="50" charset="-128"/>
-              </a:rPr>
-              <a:t>　・字は大きめに！</a:t>
-            </a:r>
-            <a:r>
-              <a:rPr lang="en-US" altLang="ja-JP" sz="3200" dirty="0" smtClean="0">
-                <a:latin typeface="+mn-ea"/>
-                <a:cs typeface="メイリオ" panose="020B0604030504040204" pitchFamily="50" charset="-128"/>
-              </a:rPr>
-              <a:t/>
-            </a:r>
-            <a:br>
-              <a:rPr lang="en-US" altLang="ja-JP" sz="3200" dirty="0" smtClean="0">
-                <a:latin typeface="+mn-ea"/>
-                <a:cs typeface="メイリオ" panose="020B0604030504040204" pitchFamily="50" charset="-128"/>
-              </a:rPr>
-            </a:br>
-            <a:endParaRPr lang="en-US" altLang="ja-JP" sz="800" dirty="0" smtClean="0">
-              <a:latin typeface="+mn-ea"/>
-              <a:cs typeface="メイリオ" panose="020B0604030504040204" pitchFamily="50" charset="-128"/>
-            </a:endParaRPr>
-          </a:p>
-          <a:p>
-            <a:pPr eaLnBrk="1" hangingPunct="1"/>
-            <a:r>
-              <a:rPr lang="ja-JP" altLang="en-US" sz="3200" dirty="0" smtClean="0">
-                <a:latin typeface="+mn-ea"/>
-                <a:cs typeface="メイリオ" panose="020B0604030504040204" pitchFamily="50" charset="-128"/>
-              </a:rPr>
-              <a:t>発表項目</a:t>
-            </a:r>
-            <a:endParaRPr lang="en-US" altLang="ja-JP" sz="3200" dirty="0" smtClean="0">
-              <a:latin typeface="+mn-ea"/>
-              <a:cs typeface="メイリオ" panose="020B0604030504040204" pitchFamily="50" charset="-128"/>
-            </a:endParaRPr>
-          </a:p>
-        </p:txBody>
-      </p:sp>
-      <p:sp>
-        <p:nvSpPr>
-          <p:cNvPr id="2" name="タイトル 1"/>
-          <p:cNvSpPr>
-            <a:spLocks noGrp="1"/>
-          </p:cNvSpPr>
-          <p:nvPr>
-            <p:ph type="title"/>
-          </p:nvPr>
-        </p:nvSpPr>
-        <p:spPr>
-          <a:xfrm>
-            <a:off x="457200" y="44624"/>
-            <a:ext cx="8229600" cy="1143000"/>
-          </a:xfrm>
-        </p:spPr>
-        <p:txBody>
-          <a:bodyPr/>
-          <a:lstStyle/>
-          <a:p>
-            <a:pPr eaLnBrk="1" fontAlgn="auto" hangingPunct="1">
-              <a:spcAft>
-                <a:spcPts val="0"/>
-              </a:spcAft>
-              <a:defRPr/>
-            </a:pPr>
-            <a:r>
-              <a:rPr lang="ja-JP" altLang="en-US" dirty="0" smtClean="0">
-                <a:solidFill>
-                  <a:srgbClr val="FF0000"/>
-                </a:solidFill>
-              </a:rPr>
-              <a:t>成果発表会　資料作成概要</a:t>
-            </a:r>
-            <a:endParaRPr lang="ja-JP" altLang="en-US" dirty="0">
-              <a:solidFill>
-                <a:srgbClr val="FF0000"/>
-              </a:solidFill>
-            </a:endParaRPr>
-          </a:p>
-        </p:txBody>
-      </p:sp>
-      <p:sp>
-        <p:nvSpPr>
-          <p:cNvPr id="3" name="正方形/長方形 2"/>
-          <p:cNvSpPr/>
-          <p:nvPr/>
-        </p:nvSpPr>
-        <p:spPr>
-          <a:xfrm>
-            <a:off x="3816424" y="4437112"/>
-            <a:ext cx="4572000" cy="1570038"/>
-          </a:xfrm>
-          <a:prstGeom prst="rect">
-            <a:avLst/>
-          </a:prstGeom>
-        </p:spPr>
-        <p:txBody>
-          <a:bodyPr>
-            <a:spAutoFit/>
-          </a:bodyPr>
-          <a:lstStyle>
-            <a:lvl1pPr marL="342900" indent="-342900">
-              <a:spcBef>
-                <a:spcPts val="400"/>
-              </a:spcBef>
-              <a:buClr>
-                <a:schemeClr val="accent1"/>
-              </a:buClr>
-              <a:buSzPct val="68000"/>
-              <a:buFont typeface="Wingdings 3" panose="05040102010807070707" pitchFamily="18" charset="2"/>
-              <a:buChar char=""/>
-              <a:defRPr kumimoji="1" sz="2700">
-                <a:solidFill>
-                  <a:schemeClr val="tx1"/>
-                </a:solidFill>
-                <a:latin typeface="Lucida Sans Unicode" panose="020B0602030504020204" pitchFamily="34" charset="0"/>
-                <a:ea typeface="ＭＳ Ｐゴシック" panose="020B0600070205080204" pitchFamily="50" charset="-128"/>
-              </a:defRPr>
-            </a:lvl1pPr>
-            <a:lvl2pPr>
-              <a:spcBef>
-                <a:spcPts val="325"/>
-              </a:spcBef>
-              <a:buClr>
-                <a:schemeClr val="accent1"/>
-              </a:buClr>
-              <a:buFont typeface="Verdana" panose="020B0604030504040204" pitchFamily="34" charset="0"/>
-              <a:buChar char="◦"/>
-              <a:defRPr kumimoji="1" sz="2300">
-                <a:solidFill>
-                  <a:schemeClr val="tx1"/>
-                </a:solidFill>
-                <a:latin typeface="Lucida Sans Unicode" panose="020B0602030504020204" pitchFamily="34" charset="0"/>
-                <a:ea typeface="ＭＳ Ｐゴシック" panose="020B0600070205080204" pitchFamily="50" charset="-128"/>
-              </a:defRPr>
-            </a:lvl2pPr>
-            <a:lvl3pPr marL="1143000" indent="-228600">
-              <a:spcBef>
-                <a:spcPts val="350"/>
-              </a:spcBef>
-              <a:buClr>
-                <a:schemeClr val="accent2"/>
-              </a:buClr>
-              <a:buSzPct val="100000"/>
-              <a:buFont typeface="Wingdings 2" panose="05020102010507070707" pitchFamily="18" charset="2"/>
-              <a:buChar char=""/>
-              <a:defRPr kumimoji="1" sz="2100">
-                <a:solidFill>
-                  <a:schemeClr val="tx1"/>
-                </a:solidFill>
-                <a:latin typeface="Lucida Sans Unicode" panose="020B0602030504020204" pitchFamily="34" charset="0"/>
-                <a:ea typeface="ＭＳ Ｐゴシック" panose="020B0600070205080204" pitchFamily="50" charset="-128"/>
-              </a:defRPr>
-            </a:lvl3pPr>
-            <a:lvl4pPr marL="1600200" indent="-228600">
-              <a:spcBef>
-                <a:spcPts val="350"/>
-              </a:spcBef>
-              <a:buClr>
-                <a:schemeClr val="accent2"/>
-              </a:buClr>
-              <a:buFont typeface="Wingdings 2" panose="05020102010507070707" pitchFamily="18" charset="2"/>
-              <a:buChar char=""/>
-              <a:defRPr kumimoji="1" sz="1900">
-                <a:solidFill>
-                  <a:schemeClr val="tx1"/>
-                </a:solidFill>
-                <a:latin typeface="Lucida Sans Unicode" panose="020B0602030504020204" pitchFamily="34" charset="0"/>
-                <a:ea typeface="ＭＳ Ｐゴシック" panose="020B0600070205080204" pitchFamily="50" charset="-128"/>
-              </a:defRPr>
-            </a:lvl4pPr>
-            <a:lvl5pPr marL="2057400" indent="-228600">
-              <a:spcBef>
-                <a:spcPts val="350"/>
-              </a:spcBef>
-              <a:buClr>
-                <a:schemeClr val="accent2"/>
-              </a:buClr>
-              <a:buFont typeface="Wingdings 2" panose="05020102010507070707" pitchFamily="18" charset="2"/>
-              <a:buChar char=""/>
-              <a:defRPr kumimoji="1">
-                <a:solidFill>
-                  <a:schemeClr val="tx1"/>
-                </a:solidFill>
-                <a:latin typeface="Lucida Sans Unicode" panose="020B0602030504020204" pitchFamily="34" charset="0"/>
-                <a:ea typeface="ＭＳ Ｐゴシック" panose="020B0600070205080204" pitchFamily="50" charset="-128"/>
-              </a:defRPr>
-            </a:lvl5pPr>
-            <a:lvl6pPr marL="2514600" indent="-228600" eaLnBrk="0" fontAlgn="base" hangingPunct="0">
-              <a:spcBef>
-                <a:spcPts val="350"/>
-              </a:spcBef>
-              <a:spcAft>
-                <a:spcPct val="0"/>
-              </a:spcAft>
-              <a:buClr>
-                <a:schemeClr val="accent2"/>
-              </a:buClr>
-              <a:buFont typeface="Wingdings 2" panose="05020102010507070707" pitchFamily="18" charset="2"/>
-              <a:buChar char=""/>
-              <a:defRPr kumimoji="1">
-                <a:solidFill>
-                  <a:schemeClr val="tx1"/>
-                </a:solidFill>
-                <a:latin typeface="Lucida Sans Unicode" panose="020B0602030504020204" pitchFamily="34" charset="0"/>
-                <a:ea typeface="ＭＳ Ｐゴシック" panose="020B0600070205080204" pitchFamily="50" charset="-128"/>
-              </a:defRPr>
-            </a:lvl6pPr>
-            <a:lvl7pPr marL="2971800" indent="-228600" eaLnBrk="0" fontAlgn="base" hangingPunct="0">
-              <a:spcBef>
-                <a:spcPts val="350"/>
-              </a:spcBef>
-              <a:spcAft>
-                <a:spcPct val="0"/>
-              </a:spcAft>
-              <a:buClr>
-                <a:schemeClr val="accent2"/>
-              </a:buClr>
-              <a:buFont typeface="Wingdings 2" panose="05020102010507070707" pitchFamily="18" charset="2"/>
-              <a:buChar char=""/>
-              <a:defRPr kumimoji="1">
-                <a:solidFill>
-                  <a:schemeClr val="tx1"/>
-                </a:solidFill>
-                <a:latin typeface="Lucida Sans Unicode" panose="020B0602030504020204" pitchFamily="34" charset="0"/>
-                <a:ea typeface="ＭＳ Ｐゴシック" panose="020B0600070205080204" pitchFamily="50" charset="-128"/>
-              </a:defRPr>
-            </a:lvl7pPr>
-            <a:lvl8pPr marL="3429000" indent="-228600" eaLnBrk="0" fontAlgn="base" hangingPunct="0">
-              <a:spcBef>
-                <a:spcPts val="350"/>
-              </a:spcBef>
-              <a:spcAft>
-                <a:spcPct val="0"/>
-              </a:spcAft>
-              <a:buClr>
-                <a:schemeClr val="accent2"/>
-              </a:buClr>
-              <a:buFont typeface="Wingdings 2" panose="05020102010507070707" pitchFamily="18" charset="2"/>
-              <a:buChar char=""/>
-              <a:defRPr kumimoji="1">
-                <a:solidFill>
-                  <a:schemeClr val="tx1"/>
-                </a:solidFill>
-                <a:latin typeface="Lucida Sans Unicode" panose="020B0602030504020204" pitchFamily="34" charset="0"/>
-                <a:ea typeface="ＭＳ Ｐゴシック" panose="020B0600070205080204" pitchFamily="50" charset="-128"/>
-              </a:defRPr>
-            </a:lvl8pPr>
-            <a:lvl9pPr marL="3886200" indent="-228600" eaLnBrk="0" fontAlgn="base" hangingPunct="0">
-              <a:spcBef>
-                <a:spcPts val="350"/>
-              </a:spcBef>
-              <a:spcAft>
-                <a:spcPct val="0"/>
-              </a:spcAft>
-              <a:buClr>
-                <a:schemeClr val="accent2"/>
-              </a:buClr>
-              <a:buFont typeface="Wingdings 2" panose="05020102010507070707" pitchFamily="18" charset="2"/>
-              <a:buChar char=""/>
-              <a:defRPr kumimoji="1">
-                <a:solidFill>
-                  <a:schemeClr val="tx1"/>
-                </a:solidFill>
-                <a:latin typeface="Lucida Sans Unicode" panose="020B0602030504020204" pitchFamily="34" charset="0"/>
-                <a:ea typeface="ＭＳ Ｐゴシック" panose="020B0600070205080204" pitchFamily="50" charset="-128"/>
-              </a:defRPr>
-            </a:lvl9pPr>
-          </a:lstStyle>
-          <a:p>
-            <a:pPr lvl="1" eaLnBrk="1" hangingPunct="1">
-              <a:spcBef>
-                <a:spcPct val="0"/>
-              </a:spcBef>
-              <a:buClrTx/>
-              <a:buFontTx/>
-              <a:buNone/>
-            </a:pPr>
-            <a:r>
-              <a:rPr lang="ja-JP" altLang="en-US" sz="3200" dirty="0">
-                <a:latin typeface="+mn-ea"/>
-                <a:ea typeface="+mn-ea"/>
-                <a:cs typeface="メイリオ" panose="020B0604030504040204" pitchFamily="50" charset="-128"/>
-              </a:rPr>
-              <a:t>・身についた点</a:t>
-            </a:r>
-          </a:p>
-          <a:p>
-            <a:pPr lvl="1" eaLnBrk="1" hangingPunct="1">
-              <a:spcBef>
-                <a:spcPct val="0"/>
-              </a:spcBef>
-              <a:buClrTx/>
-              <a:buFontTx/>
-              <a:buNone/>
-            </a:pPr>
-            <a:r>
-              <a:rPr lang="ja-JP" altLang="en-US" sz="3200" dirty="0">
-                <a:latin typeface="+mn-ea"/>
-                <a:ea typeface="+mn-ea"/>
-                <a:cs typeface="メイリオ" panose="020B0604030504040204" pitchFamily="50" charset="-128"/>
-              </a:rPr>
-              <a:t>・良かった点</a:t>
-            </a:r>
-          </a:p>
-          <a:p>
-            <a:pPr lvl="1" eaLnBrk="1" hangingPunct="1">
-              <a:spcBef>
-                <a:spcPct val="0"/>
-              </a:spcBef>
-              <a:buClrTx/>
-              <a:buFontTx/>
-              <a:buNone/>
-            </a:pPr>
-            <a:r>
-              <a:rPr lang="ja-JP" altLang="en-US" sz="3200" dirty="0">
-                <a:latin typeface="+mn-ea"/>
-                <a:ea typeface="+mn-ea"/>
-                <a:cs typeface="メイリオ" panose="020B0604030504040204" pitchFamily="50" charset="-128"/>
-              </a:rPr>
-              <a:t>・これからの意気込み</a:t>
-            </a:r>
-          </a:p>
-        </p:txBody>
-      </p:sp>
-      <p:sp>
-        <p:nvSpPr>
-          <p:cNvPr id="5" name="正方形/長方形 4"/>
-          <p:cNvSpPr/>
-          <p:nvPr/>
-        </p:nvSpPr>
-        <p:spPr>
-          <a:xfrm>
-            <a:off x="323528" y="4437112"/>
-            <a:ext cx="4572000" cy="1077912"/>
-          </a:xfrm>
-          <a:prstGeom prst="rect">
-            <a:avLst/>
-          </a:prstGeom>
-        </p:spPr>
-        <p:txBody>
-          <a:bodyPr>
-            <a:spAutoFit/>
-          </a:bodyPr>
-          <a:lstStyle>
-            <a:lvl1pPr marL="342900" indent="-342900">
-              <a:spcBef>
-                <a:spcPts val="400"/>
-              </a:spcBef>
-              <a:buClr>
-                <a:schemeClr val="accent1"/>
-              </a:buClr>
-              <a:buSzPct val="68000"/>
-              <a:buFont typeface="Wingdings 3" panose="05040102010807070707" pitchFamily="18" charset="2"/>
-              <a:buChar char=""/>
-              <a:defRPr kumimoji="1" sz="2700">
-                <a:solidFill>
-                  <a:schemeClr val="tx1"/>
-                </a:solidFill>
-                <a:latin typeface="Lucida Sans Unicode" panose="020B0602030504020204" pitchFamily="34" charset="0"/>
-                <a:ea typeface="ＭＳ Ｐゴシック" panose="020B0600070205080204" pitchFamily="50" charset="-128"/>
-              </a:defRPr>
-            </a:lvl1pPr>
-            <a:lvl2pPr>
-              <a:spcBef>
-                <a:spcPts val="325"/>
-              </a:spcBef>
-              <a:buClr>
-                <a:schemeClr val="accent1"/>
-              </a:buClr>
-              <a:buFont typeface="Verdana" panose="020B0604030504040204" pitchFamily="34" charset="0"/>
-              <a:buChar char="◦"/>
-              <a:defRPr kumimoji="1" sz="2300">
-                <a:solidFill>
-                  <a:schemeClr val="tx1"/>
-                </a:solidFill>
-                <a:latin typeface="Lucida Sans Unicode" panose="020B0602030504020204" pitchFamily="34" charset="0"/>
-                <a:ea typeface="ＭＳ Ｐゴシック" panose="020B0600070205080204" pitchFamily="50" charset="-128"/>
-              </a:defRPr>
-            </a:lvl2pPr>
-            <a:lvl3pPr marL="1143000" indent="-228600">
-              <a:spcBef>
-                <a:spcPts val="350"/>
-              </a:spcBef>
-              <a:buClr>
-                <a:schemeClr val="accent2"/>
-              </a:buClr>
-              <a:buSzPct val="100000"/>
-              <a:buFont typeface="Wingdings 2" panose="05020102010507070707" pitchFamily="18" charset="2"/>
-              <a:buChar char=""/>
-              <a:defRPr kumimoji="1" sz="2100">
-                <a:solidFill>
-                  <a:schemeClr val="tx1"/>
-                </a:solidFill>
-                <a:latin typeface="Lucida Sans Unicode" panose="020B0602030504020204" pitchFamily="34" charset="0"/>
-                <a:ea typeface="ＭＳ Ｐゴシック" panose="020B0600070205080204" pitchFamily="50" charset="-128"/>
-              </a:defRPr>
-            </a:lvl3pPr>
-            <a:lvl4pPr marL="1600200" indent="-228600">
-              <a:spcBef>
-                <a:spcPts val="350"/>
-              </a:spcBef>
-              <a:buClr>
-                <a:schemeClr val="accent2"/>
-              </a:buClr>
-              <a:buFont typeface="Wingdings 2" panose="05020102010507070707" pitchFamily="18" charset="2"/>
-              <a:buChar char=""/>
-              <a:defRPr kumimoji="1" sz="1900">
-                <a:solidFill>
-                  <a:schemeClr val="tx1"/>
-                </a:solidFill>
-                <a:latin typeface="Lucida Sans Unicode" panose="020B0602030504020204" pitchFamily="34" charset="0"/>
-                <a:ea typeface="ＭＳ Ｐゴシック" panose="020B0600070205080204" pitchFamily="50" charset="-128"/>
-              </a:defRPr>
-            </a:lvl4pPr>
-            <a:lvl5pPr marL="2057400" indent="-228600">
-              <a:spcBef>
-                <a:spcPts val="350"/>
-              </a:spcBef>
-              <a:buClr>
-                <a:schemeClr val="accent2"/>
-              </a:buClr>
-              <a:buFont typeface="Wingdings 2" panose="05020102010507070707" pitchFamily="18" charset="2"/>
-              <a:buChar char=""/>
-              <a:defRPr kumimoji="1">
-                <a:solidFill>
-                  <a:schemeClr val="tx1"/>
-                </a:solidFill>
-                <a:latin typeface="Lucida Sans Unicode" panose="020B0602030504020204" pitchFamily="34" charset="0"/>
-                <a:ea typeface="ＭＳ Ｐゴシック" panose="020B0600070205080204" pitchFamily="50" charset="-128"/>
-              </a:defRPr>
-            </a:lvl5pPr>
-            <a:lvl6pPr marL="2514600" indent="-228600" eaLnBrk="0" fontAlgn="base" hangingPunct="0">
-              <a:spcBef>
-                <a:spcPts val="350"/>
-              </a:spcBef>
-              <a:spcAft>
-                <a:spcPct val="0"/>
-              </a:spcAft>
-              <a:buClr>
-                <a:schemeClr val="accent2"/>
-              </a:buClr>
-              <a:buFont typeface="Wingdings 2" panose="05020102010507070707" pitchFamily="18" charset="2"/>
-              <a:buChar char=""/>
-              <a:defRPr kumimoji="1">
-                <a:solidFill>
-                  <a:schemeClr val="tx1"/>
-                </a:solidFill>
-                <a:latin typeface="Lucida Sans Unicode" panose="020B0602030504020204" pitchFamily="34" charset="0"/>
-                <a:ea typeface="ＭＳ Ｐゴシック" panose="020B0600070205080204" pitchFamily="50" charset="-128"/>
-              </a:defRPr>
-            </a:lvl6pPr>
-            <a:lvl7pPr marL="2971800" indent="-228600" eaLnBrk="0" fontAlgn="base" hangingPunct="0">
-              <a:spcBef>
-                <a:spcPts val="350"/>
-              </a:spcBef>
-              <a:spcAft>
-                <a:spcPct val="0"/>
-              </a:spcAft>
-              <a:buClr>
-                <a:schemeClr val="accent2"/>
-              </a:buClr>
-              <a:buFont typeface="Wingdings 2" panose="05020102010507070707" pitchFamily="18" charset="2"/>
-              <a:buChar char=""/>
-              <a:defRPr kumimoji="1">
-                <a:solidFill>
-                  <a:schemeClr val="tx1"/>
-                </a:solidFill>
-                <a:latin typeface="Lucida Sans Unicode" panose="020B0602030504020204" pitchFamily="34" charset="0"/>
-                <a:ea typeface="ＭＳ Ｐゴシック" panose="020B0600070205080204" pitchFamily="50" charset="-128"/>
-              </a:defRPr>
-            </a:lvl7pPr>
-            <a:lvl8pPr marL="3429000" indent="-228600" eaLnBrk="0" fontAlgn="base" hangingPunct="0">
-              <a:spcBef>
-                <a:spcPts val="350"/>
-              </a:spcBef>
-              <a:spcAft>
-                <a:spcPct val="0"/>
-              </a:spcAft>
-              <a:buClr>
-                <a:schemeClr val="accent2"/>
-              </a:buClr>
-              <a:buFont typeface="Wingdings 2" panose="05020102010507070707" pitchFamily="18" charset="2"/>
-              <a:buChar char=""/>
-              <a:defRPr kumimoji="1">
-                <a:solidFill>
-                  <a:schemeClr val="tx1"/>
-                </a:solidFill>
-                <a:latin typeface="Lucida Sans Unicode" panose="020B0602030504020204" pitchFamily="34" charset="0"/>
-                <a:ea typeface="ＭＳ Ｐゴシック" panose="020B0600070205080204" pitchFamily="50" charset="-128"/>
-              </a:defRPr>
-            </a:lvl8pPr>
-            <a:lvl9pPr marL="3886200" indent="-228600" eaLnBrk="0" fontAlgn="base" hangingPunct="0">
-              <a:spcBef>
-                <a:spcPts val="350"/>
-              </a:spcBef>
-              <a:spcAft>
-                <a:spcPct val="0"/>
-              </a:spcAft>
-              <a:buClr>
-                <a:schemeClr val="accent2"/>
-              </a:buClr>
-              <a:buFont typeface="Wingdings 2" panose="05020102010507070707" pitchFamily="18" charset="2"/>
-              <a:buChar char=""/>
-              <a:defRPr kumimoji="1">
-                <a:solidFill>
-                  <a:schemeClr val="tx1"/>
-                </a:solidFill>
-                <a:latin typeface="Lucida Sans Unicode" panose="020B0602030504020204" pitchFamily="34" charset="0"/>
-                <a:ea typeface="ＭＳ Ｐゴシック" panose="020B0600070205080204" pitchFamily="50" charset="-128"/>
-              </a:defRPr>
-            </a:lvl9pPr>
-          </a:lstStyle>
-          <a:p>
-            <a:pPr lvl="1" eaLnBrk="1" hangingPunct="1">
-              <a:spcBef>
-                <a:spcPct val="0"/>
-              </a:spcBef>
-              <a:buClrTx/>
-              <a:buFontTx/>
-              <a:buNone/>
-            </a:pPr>
-            <a:r>
-              <a:rPr lang="ja-JP" altLang="en-US" sz="3200" dirty="0">
-                <a:latin typeface="+mn-ea"/>
-                <a:ea typeface="+mn-ea"/>
-                <a:cs typeface="メイリオ" panose="020B0604030504040204" pitchFamily="50" charset="-128"/>
-              </a:rPr>
-              <a:t>・苦労した点</a:t>
-            </a:r>
-            <a:endParaRPr lang="en-US" altLang="ja-JP" sz="3200" dirty="0">
-              <a:latin typeface="+mn-ea"/>
-              <a:ea typeface="+mn-ea"/>
-              <a:cs typeface="メイリオ" panose="020B0604030504040204" pitchFamily="50" charset="-128"/>
-            </a:endParaRPr>
-          </a:p>
-          <a:p>
-            <a:pPr lvl="1" eaLnBrk="1" hangingPunct="1">
-              <a:spcBef>
-                <a:spcPct val="0"/>
-              </a:spcBef>
-              <a:buClrTx/>
-              <a:buFontTx/>
-              <a:buNone/>
-            </a:pPr>
-            <a:r>
-              <a:rPr lang="ja-JP" altLang="en-US" sz="3200" dirty="0">
-                <a:latin typeface="+mn-ea"/>
-                <a:ea typeface="+mn-ea"/>
-                <a:cs typeface="メイリオ" panose="020B0604030504040204" pitchFamily="50" charset="-128"/>
-              </a:rPr>
-              <a:t>・どう改善したか</a:t>
-            </a:r>
-            <a:endParaRPr lang="en-US" altLang="ja-JP" sz="3200" dirty="0">
-              <a:latin typeface="+mn-ea"/>
-              <a:ea typeface="+mn-ea"/>
-              <a:cs typeface="メイリオ" panose="020B0604030504040204" pitchFamily="50" charset="-128"/>
-            </a:endParaRPr>
-          </a:p>
-        </p:txBody>
-      </p:sp>
-    </p:spTree>
-  </p:cSld>
-  <p:clrMapOvr>
-    <a:masterClrMapping/>
-  </p:clrMapOvr>
-  <p:timing>
-    <p:tnLst>
-      <p:par>
-        <p:cTn id="1" dur="indefinite" restart="never" nodeType="tmRoot"/>
-      </p:par>
-    </p:tnLst>
-  </p:timing>
-</p:sld>
-</file>
-
-<file path=ppt/slides/slide2.xml><?xml version="1.0" encoding="utf-8"?>
-<p:sld xmlns:a="http://schemas.openxmlformats.org/drawingml/2006/main" xmlns:r="http://schemas.openxmlformats.org/officeDocument/2006/relationships" xmlns:p="http://schemas.openxmlformats.org/presentationml/2006/main">
-  <p:cSld>
-    <p:spTree>
-      <p:nvGrpSpPr>
-        <p:cNvPr id="1" name=""/>
-        <p:cNvGrpSpPr/>
-        <p:nvPr/>
-      </p:nvGrpSpPr>
-      <p:grpSpPr>
-        <a:xfrm>
-          <a:off x="0" y="0"/>
-          <a:ext cx="0" cy="0"/>
-          <a:chOff x="0" y="0"/>
-          <a:chExt cx="0" cy="0"/>
-        </a:xfrm>
-      </p:grpSpPr>
-      <p:sp>
-        <p:nvSpPr>
-          <p:cNvPr id="10242" name="コンテンツ プレースホルダー 2"/>
-          <p:cNvSpPr>
-            <a:spLocks noGrp="1"/>
-          </p:cNvSpPr>
-          <p:nvPr>
-            <p:ph idx="1"/>
-          </p:nvPr>
-        </p:nvSpPr>
-        <p:spPr>
-          <a:xfrm>
             <a:off x="115203" y="1047636"/>
             <a:ext cx="4096757" cy="5399087"/>
           </a:xfrm>
@@ -6830,7 +6583,7 @@
 </p:sld>
 </file>
 
-<file path=ppt/slides/slide3.xml><?xml version="1.0" encoding="utf-8"?>
+<file path=ppt/slides/slide2.xml><?xml version="1.0" encoding="utf-8"?>
 <p:sld xmlns:a="http://schemas.openxmlformats.org/drawingml/2006/main" xmlns:r="http://schemas.openxmlformats.org/officeDocument/2006/relationships" xmlns:p="http://schemas.openxmlformats.org/presentationml/2006/main">
   <p:cSld>
     <p:spTree>
@@ -6901,7 +6654,14 @@
                 <a:latin typeface="+mn-ea"/>
                 <a:cs typeface="メイリオ" panose="020B0604030504040204" pitchFamily="50" charset="-128"/>
               </a:rPr>
-              <a:t>チームでアプリケーションを開発「分担」</a:t>
+              <a:t>チームでアプリケーションを開発「分担</a:t>
+            </a:r>
+            <a:r>
+              <a:rPr lang="ja-JP" altLang="en-US" sz="2800" dirty="0" smtClean="0">
+                <a:latin typeface="+mn-ea"/>
+                <a:cs typeface="メイリオ" panose="020B0604030504040204" pitchFamily="50" charset="-128"/>
+              </a:rPr>
+              <a:t>」</a:t>
             </a:r>
             <a:endParaRPr lang="en-US" altLang="ja-JP" sz="2800" dirty="0" smtClean="0">
               <a:latin typeface="+mn-ea"/>
@@ -6909,10 +6669,31 @@
             </a:endParaRPr>
           </a:p>
           <a:p>
+            <a:pPr lvl="1" eaLnBrk="1" hangingPunct="1"/>
+            <a:r>
+              <a:rPr lang="en-US" altLang="ja-JP" sz="2800" dirty="0" err="1">
+                <a:latin typeface="+mn-ea"/>
+                <a:cs typeface="メイリオ" panose="020B0604030504040204" pitchFamily="50" charset="-128"/>
+              </a:rPr>
+              <a:t>g</a:t>
+            </a:r>
+            <a:r>
+              <a:rPr lang="en-US" altLang="ja-JP" sz="2800" dirty="0" err="1" smtClean="0">
+                <a:latin typeface="+mn-ea"/>
+                <a:cs typeface="メイリオ" panose="020B0604030504040204" pitchFamily="50" charset="-128"/>
+              </a:rPr>
+              <a:t>it</a:t>
+            </a:r>
+            <a:endParaRPr lang="en-US" altLang="ja-JP" sz="2800" dirty="0" smtClean="0">
+              <a:latin typeface="+mn-ea"/>
+              <a:cs typeface="メイリオ" panose="020B0604030504040204" pitchFamily="50" charset="-128"/>
+            </a:endParaRPr>
+          </a:p>
+          <a:p>
             <a:pPr marL="109537" indent="0" eaLnBrk="1" hangingPunct="1">
               <a:buNone/>
             </a:pPr>
-            <a:endParaRPr lang="en-US" altLang="ja-JP" sz="3200" dirty="0" smtClean="0">
+            <a:endParaRPr lang="en-US" altLang="ja-JP" sz="1600" dirty="0" smtClean="0">
               <a:latin typeface="+mn-ea"/>
               <a:cs typeface="メイリオ" panose="020B0604030504040204" pitchFamily="50" charset="-128"/>
             </a:endParaRPr>
@@ -7305,7 +7086,7 @@
           </a:p>
           <a:p>
             <a:pPr lvl="1" eaLnBrk="1" hangingPunct="1"/>
-            <a:endParaRPr lang="en-US" altLang="ja-JP" sz="2800" dirty="0">
+            <a:endParaRPr lang="en-US" altLang="ja-JP" sz="5400" dirty="0">
               <a:latin typeface="+mn-ea"/>
               <a:cs typeface="メイリオ" panose="020B0604030504040204" pitchFamily="50" charset="-128"/>
             </a:endParaRPr>
@@ -7378,7 +7159,7 @@
 </p:sld>
 </file>
 
-<file path=ppt/slides/slide4.xml><?xml version="1.0" encoding="utf-8"?>
+<file path=ppt/slides/slide3.xml><?xml version="1.0" encoding="utf-8"?>
 <p:sld xmlns:a="http://schemas.openxmlformats.org/drawingml/2006/main" xmlns:r="http://schemas.openxmlformats.org/officeDocument/2006/relationships" xmlns:p="http://schemas.openxmlformats.org/presentationml/2006/main">
   <p:cSld>
     <p:spTree>
@@ -8225,6 +8006,267 @@
 </a:theme>
 </file>
 
+<file path=ppt/theme/theme2.xml><?xml version="1.0" encoding="utf-8"?>
+<a:theme xmlns:a="http://schemas.openxmlformats.org/drawingml/2006/main" name="Office テーマ">
+  <a:themeElements>
+    <a:clrScheme name="Office">
+      <a:dk1>
+        <a:sysClr val="windowText" lastClr="000000"/>
+      </a:dk1>
+      <a:lt1>
+        <a:sysClr val="window" lastClr="FFFFFF"/>
+      </a:lt1>
+      <a:dk2>
+        <a:srgbClr val="44546A"/>
+      </a:dk2>
+      <a:lt2>
+        <a:srgbClr val="E7E6E6"/>
+      </a:lt2>
+      <a:accent1>
+        <a:srgbClr val="5B9BD5"/>
+      </a:accent1>
+      <a:accent2>
+        <a:srgbClr val="ED7D31"/>
+      </a:accent2>
+      <a:accent3>
+        <a:srgbClr val="A5A5A5"/>
+      </a:accent3>
+      <a:accent4>
+        <a:srgbClr val="FFC000"/>
+      </a:accent4>
+      <a:accent5>
+        <a:srgbClr val="4472C4"/>
+      </a:accent5>
+      <a:accent6>
+        <a:srgbClr val="70AD47"/>
+      </a:accent6>
+      <a:hlink>
+        <a:srgbClr val="0563C1"/>
+      </a:hlink>
+      <a:folHlink>
+        <a:srgbClr val="954F72"/>
+      </a:folHlink>
+    </a:clrScheme>
+    <a:fontScheme name="Office">
+      <a:majorFont>
+        <a:latin typeface="Calibri Light" panose="020F0302020204030204"/>
+        <a:ea typeface=""/>
+        <a:cs typeface=""/>
+        <a:font script="Jpan" typeface="ＭＳ Ｐゴシック"/>
+        <a:font script="Hang" typeface="맑은 고딕"/>
+        <a:font script="Hans" typeface="宋体"/>
+        <a:font script="Hant" typeface="新細明體"/>
+        <a:font script="Arab" typeface="Times New Roman"/>
+        <a:font script="Hebr" typeface="Times New Roman"/>
+        <a:font script="Thai" typeface="Angsana New"/>
+        <a:font script="Ethi" typeface="Nyala"/>
+        <a:font script="Beng" typeface="Vrinda"/>
+        <a:font script="Gujr" typeface="Shruti"/>
+        <a:font script="Khmr" typeface="MoolBoran"/>
+        <a:font script="Knda" typeface="Tunga"/>
+        <a:font script="Guru" typeface="Raavi"/>
+        <a:font script="Cans" typeface="Euphemia"/>
+        <a:font script="Cher" typeface="Plantagenet Cherokee"/>
+        <a:font script="Yiii" typeface="Microsoft Yi Baiti"/>
+        <a:font script="Tibt" typeface="Microsoft Himalaya"/>
+        <a:font script="Thaa" typeface="MV Boli"/>
+        <a:font script="Deva" typeface="Mangal"/>
+        <a:font script="Telu" typeface="Gautami"/>
+        <a:font script="Taml" typeface="Latha"/>
+        <a:font script="Syrc" typeface="Estrangelo Edessa"/>
+        <a:font script="Orya" typeface="Kalinga"/>
+        <a:font script="Mlym" typeface="Kartika"/>
+        <a:font script="Laoo" typeface="DokChampa"/>
+        <a:font script="Sinh" typeface="Iskoola Pota"/>
+        <a:font script="Mong" typeface="Mongolian Baiti"/>
+        <a:font script="Viet" typeface="Times New Roman"/>
+        <a:font script="Uigh" typeface="Microsoft Uighur"/>
+        <a:font script="Geor" typeface="Sylfaen"/>
+      </a:majorFont>
+      <a:minorFont>
+        <a:latin typeface="Calibri" panose="020F0502020204030204"/>
+        <a:ea typeface=""/>
+        <a:cs typeface=""/>
+        <a:font script="Jpan" typeface="ＭＳ Ｐゴシック"/>
+        <a:font script="Hang" typeface="맑은 고딕"/>
+        <a:font script="Hans" typeface="宋体"/>
+        <a:font script="Hant" typeface="新細明體"/>
+        <a:font script="Arab" typeface="Arial"/>
+        <a:font script="Hebr" typeface="Arial"/>
+        <a:font script="Thai" typeface="Cordia New"/>
+        <a:font script="Ethi" typeface="Nyala"/>
+        <a:font script="Beng" typeface="Vrinda"/>
+        <a:font script="Gujr" typeface="Shruti"/>
+        <a:font script="Khmr" typeface="DaunPenh"/>
+        <a:font script="Knda" typeface="Tunga"/>
+        <a:font script="Guru" typeface="Raavi"/>
+        <a:font script="Cans" typeface="Euphemia"/>
+        <a:font script="Cher" typeface="Plantagenet Cherokee"/>
+        <a:font script="Yiii" typeface="Microsoft Yi Baiti"/>
+        <a:font script="Tibt" typeface="Microsoft Himalaya"/>
+        <a:font script="Thaa" typeface="MV Boli"/>
+        <a:font script="Deva" typeface="Mangal"/>
+        <a:font script="Telu" typeface="Gautami"/>
+        <a:font script="Taml" typeface="Latha"/>
+        <a:font script="Syrc" typeface="Estrangelo Edessa"/>
+        <a:font script="Orya" typeface="Kalinga"/>
+        <a:font script="Mlym" typeface="Kartika"/>
+        <a:font script="Laoo" typeface="DokChampa"/>
+        <a:font script="Sinh" typeface="Iskoola Pota"/>
+        <a:font script="Mong" typeface="Mongolian Baiti"/>
+        <a:font script="Viet" typeface="Arial"/>
+        <a:font script="Uigh" typeface="Microsoft Uighur"/>
+        <a:font script="Geor" typeface="Sylfaen"/>
+      </a:minorFont>
+    </a:fontScheme>
+    <a:fmtScheme name="Office">
+      <a:fillStyleLst>
+        <a:solidFill>
+          <a:schemeClr val="phClr"/>
+        </a:solidFill>
+        <a:gradFill rotWithShape="1">
+          <a:gsLst>
+            <a:gs pos="0">
+              <a:schemeClr val="phClr">
+                <a:lumMod val="110000"/>
+                <a:satMod val="105000"/>
+                <a:tint val="67000"/>
+              </a:schemeClr>
+            </a:gs>
+            <a:gs pos="50000">
+              <a:schemeClr val="phClr">
+                <a:lumMod val="105000"/>
+                <a:satMod val="103000"/>
+                <a:tint val="73000"/>
+              </a:schemeClr>
+            </a:gs>
+            <a:gs pos="100000">
+              <a:schemeClr val="phClr">
+                <a:lumMod val="105000"/>
+                <a:satMod val="109000"/>
+                <a:tint val="81000"/>
+              </a:schemeClr>
+            </a:gs>
+          </a:gsLst>
+          <a:lin ang="5400000" scaled="0"/>
+        </a:gradFill>
+        <a:gradFill rotWithShape="1">
+          <a:gsLst>
+            <a:gs pos="0">
+              <a:schemeClr val="phClr">
+                <a:satMod val="103000"/>
+                <a:lumMod val="102000"/>
+                <a:tint val="94000"/>
+              </a:schemeClr>
+            </a:gs>
+            <a:gs pos="50000">
+              <a:schemeClr val="phClr">
+                <a:satMod val="110000"/>
+                <a:lumMod val="100000"/>
+                <a:shade val="100000"/>
+              </a:schemeClr>
+            </a:gs>
+            <a:gs pos="100000">
+              <a:schemeClr val="phClr">
+                <a:lumMod val="99000"/>
+                <a:satMod val="120000"/>
+                <a:shade val="78000"/>
+              </a:schemeClr>
+            </a:gs>
+          </a:gsLst>
+          <a:lin ang="5400000" scaled="0"/>
+        </a:gradFill>
+      </a:fillStyleLst>
+      <a:lnStyleLst>
+        <a:ln w="6350" cap="flat" cmpd="sng" algn="ctr">
+          <a:solidFill>
+            <a:schemeClr val="phClr"/>
+          </a:solidFill>
+          <a:prstDash val="solid"/>
+          <a:miter lim="800000"/>
+        </a:ln>
+        <a:ln w="12700" cap="flat" cmpd="sng" algn="ctr">
+          <a:solidFill>
+            <a:schemeClr val="phClr"/>
+          </a:solidFill>
+          <a:prstDash val="solid"/>
+          <a:miter lim="800000"/>
+        </a:ln>
+        <a:ln w="19050" cap="flat" cmpd="sng" algn="ctr">
+          <a:solidFill>
+            <a:schemeClr val="phClr"/>
+          </a:solidFill>
+          <a:prstDash val="solid"/>
+          <a:miter lim="800000"/>
+        </a:ln>
+      </a:lnStyleLst>
+      <a:effectStyleLst>
+        <a:effectStyle>
+          <a:effectLst/>
+        </a:effectStyle>
+        <a:effectStyle>
+          <a:effectLst/>
+        </a:effectStyle>
+        <a:effectStyle>
+          <a:effectLst>
+            <a:outerShdw blurRad="57150" dist="19050" dir="5400000" algn="ctr" rotWithShape="0">
+              <a:srgbClr val="000000">
+                <a:alpha val="63000"/>
+              </a:srgbClr>
+            </a:outerShdw>
+          </a:effectLst>
+        </a:effectStyle>
+      </a:effectStyleLst>
+      <a:bgFillStyleLst>
+        <a:solidFill>
+          <a:schemeClr val="phClr"/>
+        </a:solidFill>
+        <a:solidFill>
+          <a:schemeClr val="phClr">
+            <a:tint val="95000"/>
+            <a:satMod val="170000"/>
+          </a:schemeClr>
+        </a:solidFill>
+        <a:gradFill rotWithShape="1">
+          <a:gsLst>
+            <a:gs pos="0">
+              <a:schemeClr val="phClr">
+                <a:tint val="93000"/>
+                <a:satMod val="150000"/>
+                <a:shade val="98000"/>
+                <a:lumMod val="102000"/>
+              </a:schemeClr>
+            </a:gs>
+            <a:gs pos="50000">
+              <a:schemeClr val="phClr">
+                <a:tint val="98000"/>
+                <a:satMod val="130000"/>
+                <a:shade val="90000"/>
+                <a:lumMod val="103000"/>
+              </a:schemeClr>
+            </a:gs>
+            <a:gs pos="100000">
+              <a:schemeClr val="phClr">
+                <a:shade val="63000"/>
+                <a:satMod val="120000"/>
+              </a:schemeClr>
+            </a:gs>
+          </a:gsLst>
+          <a:lin ang="5400000" scaled="0"/>
+        </a:gradFill>
+      </a:bgFillStyleLst>
+    </a:fmtScheme>
+  </a:themeElements>
+  <a:objectDefaults/>
+  <a:extraClrSchemeLst/>
+  <a:extLst>
+    <a:ext uri="{05A4C25C-085E-4340-85A3-A5531E510DB2}">
+      <thm15:themeFamily xmlns:thm15="http://schemas.microsoft.com/office/thememl/2012/main" name="Office Theme" id="{62F939B6-93AF-4DB8-9C6B-D6C7DFDC589F}" vid="{4A3C46E8-61CC-4603-A589-7422A47A8E4A}"/>
+    </a:ext>
+  </a:extLst>
+</a:theme>
+</file>
+
 <file path=ppt/theme/themeOverride1.xml><?xml version="1.0" encoding="utf-8"?>
 <a:themeOverride xmlns:a="http://schemas.openxmlformats.org/drawingml/2006/main">
   <a:clrScheme name="ビジネス">
